--- a/ccn/randy_slides/oreilly_ccn_language.pptx
+++ b/ccn/randy_slides/oreilly_ccn_language.pptx
@@ -140,6 +140,22 @@
       </a:defRPr>
     </a:lvl9pPr>
   </p:defaultTextStyle>
+  <p:extLst>
+    <p:ext uri="{EFAFB233-063F-42B5-8137-9DF3F51BA10A}">
+      <p15:sldGuideLst xmlns:p15="http://schemas.microsoft.com/office/powerpoint/2012/main">
+        <p15:guide id="1" orient="horz" pos="2160">
+          <p15:clr>
+            <a:srgbClr val="A4A3A4"/>
+          </p15:clr>
+        </p15:guide>
+        <p15:guide id="2" pos="2880">
+          <p15:clr>
+            <a:srgbClr val="A4A3A4"/>
+          </p15:clr>
+        </p15:guide>
+      </p15:sldGuideLst>
+    </p:ext>
+  </p:extLst>
 </p:presentation>
 </file>
 
@@ -226,7 +242,7 @@
             <a:fld id="{134E0E46-09FB-E94F-B740-AE4D5C6FE5DD}" type="datetimeFigureOut">
               <a:rPr lang="en-US" smtClean="0"/>
               <a:pPr/>
-              <a:t>11/3/15</a:t>
+              <a:t>4/15/20</a:t>
             </a:fld>
             <a:endParaRPr lang="en-US"/>
           </a:p>
@@ -394,7 +410,7 @@
             <a:fld id="{A39D9CCF-58B7-6C4F-9057-0B7282734A9C}" type="datetimeFigureOut">
               <a:rPr lang="en-US" smtClean="0"/>
               <a:pPr/>
-              <a:t>11/3/15</a:t>
+              <a:t>4/15/20</a:t>
             </a:fld>
             <a:endParaRPr lang="en-US"/>
           </a:p>
@@ -460,38 +476,37 @@
           <a:p>
             <a:pPr lvl="0"/>
             <a:r>
-              <a:rPr lang="en-US" smtClean="0"/>
+              <a:rPr lang="en-US"/>
               <a:t>Click to edit Master text styles</a:t>
             </a:r>
           </a:p>
           <a:p>
             <a:pPr lvl="1"/>
             <a:r>
-              <a:rPr lang="en-US" smtClean="0"/>
+              <a:rPr lang="en-US"/>
               <a:t>Second level</a:t>
             </a:r>
           </a:p>
           <a:p>
             <a:pPr lvl="2"/>
             <a:r>
-              <a:rPr lang="en-US" smtClean="0"/>
+              <a:rPr lang="en-US"/>
               <a:t>Third level</a:t>
             </a:r>
           </a:p>
           <a:p>
             <a:pPr lvl="3"/>
             <a:r>
-              <a:rPr lang="en-US" smtClean="0"/>
+              <a:rPr lang="en-US"/>
               <a:t>Fourth level</a:t>
             </a:r>
           </a:p>
           <a:p>
             <a:pPr lvl="4"/>
             <a:r>
-              <a:rPr lang="en-US" smtClean="0"/>
+              <a:rPr lang="en-US"/>
               <a:t>Fifth level</a:t>
             </a:r>
-            <a:endParaRPr lang="en-US"/>
           </a:p>
         </p:txBody>
       </p:sp>
@@ -704,10 +719,9 @@
           <a:lstStyle/>
           <a:p>
             <a:r>
-              <a:rPr lang="en-US" smtClean="0"/>
+              <a:rPr lang="en-US"/>
               <a:t>Click to edit Master title style</a:t>
             </a:r>
-            <a:endParaRPr lang="en-US"/>
           </a:p>
         </p:txBody>
       </p:sp>
@@ -769,10 +783,9 @@
           </a:lstStyle>
           <a:p>
             <a:r>
-              <a:rPr lang="en-US" smtClean="0"/>
+              <a:rPr lang="en-US"/>
               <a:t>Click to edit Master subtitle style</a:t>
             </a:r>
-            <a:endParaRPr lang="en-US"/>
           </a:p>
         </p:txBody>
       </p:sp>
@@ -798,7 +811,7 @@
             <a:fld id="{0F43610C-CF0F-A341-95E3-9AC2B6738F38}" type="datetime1">
               <a:rPr lang="en-US" smtClean="0"/>
               <a:pPr/>
-              <a:t>11/3/15</a:t>
+              <a:t>4/15/20</a:t>
             </a:fld>
             <a:endParaRPr lang="en-US"/>
           </a:p>
@@ -896,10 +909,9 @@
           <a:lstStyle/>
           <a:p>
             <a:r>
-              <a:rPr lang="en-US" smtClean="0"/>
+              <a:rPr lang="en-US"/>
               <a:t>Click to edit Master title style</a:t>
             </a:r>
-            <a:endParaRPr lang="en-US"/>
           </a:p>
         </p:txBody>
       </p:sp>
@@ -920,38 +932,37 @@
           <a:p>
             <a:pPr lvl="0"/>
             <a:r>
-              <a:rPr lang="en-US" smtClean="0"/>
+              <a:rPr lang="en-US"/>
               <a:t>Click to edit Master text styles</a:t>
             </a:r>
           </a:p>
           <a:p>
             <a:pPr lvl="1"/>
             <a:r>
-              <a:rPr lang="en-US" smtClean="0"/>
+              <a:rPr lang="en-US"/>
               <a:t>Second level</a:t>
             </a:r>
           </a:p>
           <a:p>
             <a:pPr lvl="2"/>
             <a:r>
-              <a:rPr lang="en-US" smtClean="0"/>
+              <a:rPr lang="en-US"/>
               <a:t>Third level</a:t>
             </a:r>
           </a:p>
           <a:p>
             <a:pPr lvl="3"/>
             <a:r>
-              <a:rPr lang="en-US" smtClean="0"/>
+              <a:rPr lang="en-US"/>
               <a:t>Fourth level</a:t>
             </a:r>
           </a:p>
           <a:p>
             <a:pPr lvl="4"/>
             <a:r>
-              <a:rPr lang="en-US" smtClean="0"/>
+              <a:rPr lang="en-US"/>
               <a:t>Fifth level</a:t>
             </a:r>
-            <a:endParaRPr lang="en-US"/>
           </a:p>
         </p:txBody>
       </p:sp>
@@ -977,7 +988,7 @@
             <a:fld id="{80722BD1-6F2E-954E-9666-DACFAE059D87}" type="datetime1">
               <a:rPr lang="en-US" smtClean="0"/>
               <a:pPr/>
-              <a:t>11/3/15</a:t>
+              <a:t>4/15/20</a:t>
             </a:fld>
             <a:endParaRPr lang="en-US"/>
           </a:p>
@@ -1080,10 +1091,9 @@
           <a:lstStyle/>
           <a:p>
             <a:r>
-              <a:rPr lang="en-US" smtClean="0"/>
+              <a:rPr lang="en-US"/>
               <a:t>Click to edit Master title style</a:t>
             </a:r>
-            <a:endParaRPr lang="en-US"/>
           </a:p>
         </p:txBody>
       </p:sp>
@@ -1109,38 +1119,37 @@
           <a:p>
             <a:pPr lvl="0"/>
             <a:r>
-              <a:rPr lang="en-US" smtClean="0"/>
+              <a:rPr lang="en-US"/>
               <a:t>Click to edit Master text styles</a:t>
             </a:r>
           </a:p>
           <a:p>
             <a:pPr lvl="1"/>
             <a:r>
-              <a:rPr lang="en-US" smtClean="0"/>
+              <a:rPr lang="en-US"/>
               <a:t>Second level</a:t>
             </a:r>
           </a:p>
           <a:p>
             <a:pPr lvl="2"/>
             <a:r>
-              <a:rPr lang="en-US" smtClean="0"/>
+              <a:rPr lang="en-US"/>
               <a:t>Third level</a:t>
             </a:r>
           </a:p>
           <a:p>
             <a:pPr lvl="3"/>
             <a:r>
-              <a:rPr lang="en-US" smtClean="0"/>
+              <a:rPr lang="en-US"/>
               <a:t>Fourth level</a:t>
             </a:r>
           </a:p>
           <a:p>
             <a:pPr lvl="4"/>
             <a:r>
-              <a:rPr lang="en-US" smtClean="0"/>
+              <a:rPr lang="en-US"/>
               <a:t>Fifth level</a:t>
             </a:r>
-            <a:endParaRPr lang="en-US"/>
           </a:p>
         </p:txBody>
       </p:sp>
@@ -1166,7 +1175,7 @@
             <a:fld id="{81719E71-40F5-594A-A597-B9A1F7A8E2A0}" type="datetime1">
               <a:rPr lang="en-US" smtClean="0"/>
               <a:pPr/>
-              <a:t>11/3/15</a:t>
+              <a:t>4/15/20</a:t>
             </a:fld>
             <a:endParaRPr lang="en-US"/>
           </a:p>
@@ -1264,10 +1273,9 @@
           <a:lstStyle/>
           <a:p>
             <a:r>
-              <a:rPr lang="en-US" smtClean="0"/>
+              <a:rPr lang="en-US"/>
               <a:t>Click to edit Master title style</a:t>
             </a:r>
-            <a:endParaRPr lang="en-US"/>
           </a:p>
         </p:txBody>
       </p:sp>
@@ -1288,38 +1296,37 @@
           <a:p>
             <a:pPr lvl="0"/>
             <a:r>
-              <a:rPr lang="en-US" smtClean="0"/>
+              <a:rPr lang="en-US"/>
               <a:t>Click to edit Master text styles</a:t>
             </a:r>
           </a:p>
           <a:p>
             <a:pPr lvl="1"/>
             <a:r>
-              <a:rPr lang="en-US" smtClean="0"/>
+              <a:rPr lang="en-US"/>
               <a:t>Second level</a:t>
             </a:r>
           </a:p>
           <a:p>
             <a:pPr lvl="2"/>
             <a:r>
-              <a:rPr lang="en-US" smtClean="0"/>
+              <a:rPr lang="en-US"/>
               <a:t>Third level</a:t>
             </a:r>
           </a:p>
           <a:p>
             <a:pPr lvl="3"/>
             <a:r>
-              <a:rPr lang="en-US" smtClean="0"/>
+              <a:rPr lang="en-US"/>
               <a:t>Fourth level</a:t>
             </a:r>
           </a:p>
           <a:p>
             <a:pPr lvl="4"/>
             <a:r>
-              <a:rPr lang="en-US" smtClean="0"/>
+              <a:rPr lang="en-US"/>
               <a:t>Fifth level</a:t>
             </a:r>
-            <a:endParaRPr lang="en-US"/>
           </a:p>
         </p:txBody>
       </p:sp>
@@ -1345,7 +1352,7 @@
             <a:fld id="{80E7870B-B594-BE4F-883F-5AA3BF0E980A}" type="datetime1">
               <a:rPr lang="en-US" smtClean="0"/>
               <a:pPr/>
-              <a:t>11/3/15</a:t>
+              <a:t>4/15/20</a:t>
             </a:fld>
             <a:endParaRPr lang="en-US"/>
           </a:p>
@@ -1452,10 +1459,9 @@
           </a:lstStyle>
           <a:p>
             <a:r>
-              <a:rPr lang="en-US" smtClean="0"/>
+              <a:rPr lang="en-US"/>
               <a:t>Click to edit Master title style</a:t>
             </a:r>
-            <a:endParaRPr lang="en-US"/>
           </a:p>
         </p:txBody>
       </p:sp>
@@ -1518,7 +1524,7 @@
           <a:p>
             <a:pPr lvl="0"/>
             <a:r>
-              <a:rPr lang="en-US" smtClean="0"/>
+              <a:rPr lang="en-US"/>
               <a:t>Click to edit Master text styles</a:t>
             </a:r>
           </a:p>
@@ -1546,7 +1552,7 @@
             <a:fld id="{4001173A-C22D-A545-AA98-51D0B584A64A}" type="datetime1">
               <a:rPr lang="en-US" smtClean="0"/>
               <a:pPr/>
-              <a:t>11/3/15</a:t>
+              <a:t>4/15/20</a:t>
             </a:fld>
             <a:endParaRPr lang="en-US"/>
           </a:p>
@@ -1644,10 +1650,9 @@
           <a:lstStyle/>
           <a:p>
             <a:r>
-              <a:rPr lang="en-US" smtClean="0"/>
+              <a:rPr lang="en-US"/>
               <a:t>Click to edit Master title style</a:t>
             </a:r>
-            <a:endParaRPr lang="en-US"/>
           </a:p>
         </p:txBody>
       </p:sp>
@@ -1701,38 +1706,37 @@
           <a:p>
             <a:pPr lvl="0"/>
             <a:r>
-              <a:rPr lang="en-US" smtClean="0"/>
+              <a:rPr lang="en-US"/>
               <a:t>Click to edit Master text styles</a:t>
             </a:r>
           </a:p>
           <a:p>
             <a:pPr lvl="1"/>
             <a:r>
-              <a:rPr lang="en-US" smtClean="0"/>
+              <a:rPr lang="en-US"/>
               <a:t>Second level</a:t>
             </a:r>
           </a:p>
           <a:p>
             <a:pPr lvl="2"/>
             <a:r>
-              <a:rPr lang="en-US" smtClean="0"/>
+              <a:rPr lang="en-US"/>
               <a:t>Third level</a:t>
             </a:r>
           </a:p>
           <a:p>
             <a:pPr lvl="3"/>
             <a:r>
-              <a:rPr lang="en-US" smtClean="0"/>
+              <a:rPr lang="en-US"/>
               <a:t>Fourth level</a:t>
             </a:r>
           </a:p>
           <a:p>
             <a:pPr lvl="4"/>
             <a:r>
-              <a:rPr lang="en-US" smtClean="0"/>
+              <a:rPr lang="en-US"/>
               <a:t>Fifth level</a:t>
             </a:r>
-            <a:endParaRPr lang="en-US"/>
           </a:p>
         </p:txBody>
       </p:sp>
@@ -1786,38 +1790,37 @@
           <a:p>
             <a:pPr lvl="0"/>
             <a:r>
-              <a:rPr lang="en-US" smtClean="0"/>
+              <a:rPr lang="en-US"/>
               <a:t>Click to edit Master text styles</a:t>
             </a:r>
           </a:p>
           <a:p>
             <a:pPr lvl="1"/>
             <a:r>
-              <a:rPr lang="en-US" smtClean="0"/>
+              <a:rPr lang="en-US"/>
               <a:t>Second level</a:t>
             </a:r>
           </a:p>
           <a:p>
             <a:pPr lvl="2"/>
             <a:r>
-              <a:rPr lang="en-US" smtClean="0"/>
+              <a:rPr lang="en-US"/>
               <a:t>Third level</a:t>
             </a:r>
           </a:p>
           <a:p>
             <a:pPr lvl="3"/>
             <a:r>
-              <a:rPr lang="en-US" smtClean="0"/>
+              <a:rPr lang="en-US"/>
               <a:t>Fourth level</a:t>
             </a:r>
           </a:p>
           <a:p>
             <a:pPr lvl="4"/>
             <a:r>
-              <a:rPr lang="en-US" smtClean="0"/>
+              <a:rPr lang="en-US"/>
               <a:t>Fifth level</a:t>
             </a:r>
-            <a:endParaRPr lang="en-US"/>
           </a:p>
         </p:txBody>
       </p:sp>
@@ -1843,7 +1846,7 @@
             <a:fld id="{8627B750-1BB8-F846-854F-817BE719E813}" type="datetime1">
               <a:rPr lang="en-US" smtClean="0"/>
               <a:pPr/>
-              <a:t>11/3/15</a:t>
+              <a:t>4/15/20</a:t>
             </a:fld>
             <a:endParaRPr lang="en-US"/>
           </a:p>
@@ -1950,10 +1953,9 @@
           </a:lstStyle>
           <a:p>
             <a:r>
-              <a:rPr lang="en-US" smtClean="0"/>
+              <a:rPr lang="en-US"/>
               <a:t>Click to edit Master title style</a:t>
             </a:r>
-            <a:endParaRPr lang="en-US"/>
           </a:p>
         </p:txBody>
       </p:sp>
@@ -2016,7 +2018,7 @@
           <a:p>
             <a:pPr lvl="0"/>
             <a:r>
-              <a:rPr lang="en-US" smtClean="0"/>
+              <a:rPr lang="en-US"/>
               <a:t>Click to edit Master text styles</a:t>
             </a:r>
           </a:p>
@@ -2072,38 +2074,37 @@
           <a:p>
             <a:pPr lvl="0"/>
             <a:r>
-              <a:rPr lang="en-US" smtClean="0"/>
+              <a:rPr lang="en-US"/>
               <a:t>Click to edit Master text styles</a:t>
             </a:r>
           </a:p>
           <a:p>
             <a:pPr lvl="1"/>
             <a:r>
-              <a:rPr lang="en-US" smtClean="0"/>
+              <a:rPr lang="en-US"/>
               <a:t>Second level</a:t>
             </a:r>
           </a:p>
           <a:p>
             <a:pPr lvl="2"/>
             <a:r>
-              <a:rPr lang="en-US" smtClean="0"/>
+              <a:rPr lang="en-US"/>
               <a:t>Third level</a:t>
             </a:r>
           </a:p>
           <a:p>
             <a:pPr lvl="3"/>
             <a:r>
-              <a:rPr lang="en-US" smtClean="0"/>
+              <a:rPr lang="en-US"/>
               <a:t>Fourth level</a:t>
             </a:r>
           </a:p>
           <a:p>
             <a:pPr lvl="4"/>
             <a:r>
-              <a:rPr lang="en-US" smtClean="0"/>
+              <a:rPr lang="en-US"/>
               <a:t>Fifth level</a:t>
             </a:r>
-            <a:endParaRPr lang="en-US"/>
           </a:p>
         </p:txBody>
       </p:sp>
@@ -2166,7 +2167,7 @@
           <a:p>
             <a:pPr lvl="0"/>
             <a:r>
-              <a:rPr lang="en-US" smtClean="0"/>
+              <a:rPr lang="en-US"/>
               <a:t>Click to edit Master text styles</a:t>
             </a:r>
           </a:p>
@@ -2222,38 +2223,37 @@
           <a:p>
             <a:pPr lvl="0"/>
             <a:r>
-              <a:rPr lang="en-US" smtClean="0"/>
+              <a:rPr lang="en-US"/>
               <a:t>Click to edit Master text styles</a:t>
             </a:r>
           </a:p>
           <a:p>
             <a:pPr lvl="1"/>
             <a:r>
-              <a:rPr lang="en-US" smtClean="0"/>
+              <a:rPr lang="en-US"/>
               <a:t>Second level</a:t>
             </a:r>
           </a:p>
           <a:p>
             <a:pPr lvl="2"/>
             <a:r>
-              <a:rPr lang="en-US" smtClean="0"/>
+              <a:rPr lang="en-US"/>
               <a:t>Third level</a:t>
             </a:r>
           </a:p>
           <a:p>
             <a:pPr lvl="3"/>
             <a:r>
-              <a:rPr lang="en-US" smtClean="0"/>
+              <a:rPr lang="en-US"/>
               <a:t>Fourth level</a:t>
             </a:r>
           </a:p>
           <a:p>
             <a:pPr lvl="4"/>
             <a:r>
-              <a:rPr lang="en-US" smtClean="0"/>
+              <a:rPr lang="en-US"/>
               <a:t>Fifth level</a:t>
             </a:r>
-            <a:endParaRPr lang="en-US"/>
           </a:p>
         </p:txBody>
       </p:sp>
@@ -2279,7 +2279,7 @@
             <a:fld id="{A24BBA21-B6FA-C24E-9759-3735F7DAA052}" type="datetime1">
               <a:rPr lang="en-US" smtClean="0"/>
               <a:pPr/>
-              <a:t>11/3/15</a:t>
+              <a:t>4/15/20</a:t>
             </a:fld>
             <a:endParaRPr lang="en-US"/>
           </a:p>
@@ -2377,10 +2377,9 @@
           <a:lstStyle/>
           <a:p>
             <a:r>
-              <a:rPr lang="en-US" smtClean="0"/>
+              <a:rPr lang="en-US"/>
               <a:t>Click to edit Master title style</a:t>
             </a:r>
-            <a:endParaRPr lang="en-US"/>
           </a:p>
         </p:txBody>
       </p:sp>
@@ -2406,7 +2405,7 @@
             <a:fld id="{A208DD61-016E-E544-8D0E-6C417EB34521}" type="datetime1">
               <a:rPr lang="en-US" smtClean="0"/>
               <a:pPr/>
-              <a:t>11/3/15</a:t>
+              <a:t>4/15/20</a:t>
             </a:fld>
             <a:endParaRPr lang="en-US"/>
           </a:p>
@@ -2510,7 +2509,7 @@
             <a:fld id="{60D8413E-DCA1-2346-AF80-5D4D797103C0}" type="datetime1">
               <a:rPr lang="en-US" smtClean="0"/>
               <a:pPr/>
-              <a:t>11/3/15</a:t>
+              <a:t>4/15/20</a:t>
             </a:fld>
             <a:endParaRPr lang="en-US"/>
           </a:p>
@@ -2617,10 +2616,9 @@
           </a:lstStyle>
           <a:p>
             <a:r>
-              <a:rPr lang="en-US" smtClean="0"/>
+              <a:rPr lang="en-US"/>
               <a:t>Click to edit Master title style</a:t>
             </a:r>
-            <a:endParaRPr lang="en-US"/>
           </a:p>
         </p:txBody>
       </p:sp>
@@ -2674,38 +2672,37 @@
           <a:p>
             <a:pPr lvl="0"/>
             <a:r>
-              <a:rPr lang="en-US" smtClean="0"/>
+              <a:rPr lang="en-US"/>
               <a:t>Click to edit Master text styles</a:t>
             </a:r>
           </a:p>
           <a:p>
             <a:pPr lvl="1"/>
             <a:r>
-              <a:rPr lang="en-US" smtClean="0"/>
+              <a:rPr lang="en-US"/>
               <a:t>Second level</a:t>
             </a:r>
           </a:p>
           <a:p>
             <a:pPr lvl="2"/>
             <a:r>
-              <a:rPr lang="en-US" smtClean="0"/>
+              <a:rPr lang="en-US"/>
               <a:t>Third level</a:t>
             </a:r>
           </a:p>
           <a:p>
             <a:pPr lvl="3"/>
             <a:r>
-              <a:rPr lang="en-US" smtClean="0"/>
+              <a:rPr lang="en-US"/>
               <a:t>Fourth level</a:t>
             </a:r>
           </a:p>
           <a:p>
             <a:pPr lvl="4"/>
             <a:r>
-              <a:rPr lang="en-US" smtClean="0"/>
+              <a:rPr lang="en-US"/>
               <a:t>Fifth level</a:t>
             </a:r>
-            <a:endParaRPr lang="en-US"/>
           </a:p>
         </p:txBody>
       </p:sp>
@@ -2768,7 +2765,7 @@
           <a:p>
             <a:pPr lvl="0"/>
             <a:r>
-              <a:rPr lang="en-US" smtClean="0"/>
+              <a:rPr lang="en-US"/>
               <a:t>Click to edit Master text styles</a:t>
             </a:r>
           </a:p>
@@ -2796,7 +2793,7 @@
             <a:fld id="{51AF361F-D5BC-E048-9595-281C5881E6B3}" type="datetime1">
               <a:rPr lang="en-US" smtClean="0"/>
               <a:pPr/>
-              <a:t>11/3/15</a:t>
+              <a:t>4/15/20</a:t>
             </a:fld>
             <a:endParaRPr lang="en-US"/>
           </a:p>
@@ -2903,10 +2900,9 @@
           </a:lstStyle>
           <a:p>
             <a:r>
-              <a:rPr lang="en-US" smtClean="0"/>
+              <a:rPr lang="en-US"/>
               <a:t>Click to edit Master title style</a:t>
             </a:r>
-            <a:endParaRPr lang="en-US"/>
           </a:p>
         </p:txBody>
       </p:sp>
@@ -2968,10 +2964,9 @@
           </a:lstStyle>
           <a:p>
             <a:r>
-              <a:rPr lang="en-US" smtClean="0"/>
+              <a:rPr lang="en-US"/>
               <a:t>Click icon to add picture</a:t>
             </a:r>
-            <a:endParaRPr lang="en-US"/>
           </a:p>
         </p:txBody>
       </p:sp>
@@ -3034,7 +3029,7 @@
           <a:p>
             <a:pPr lvl="0"/>
             <a:r>
-              <a:rPr lang="en-US" smtClean="0"/>
+              <a:rPr lang="en-US"/>
               <a:t>Click to edit Master text styles</a:t>
             </a:r>
           </a:p>
@@ -3062,7 +3057,7 @@
             <a:fld id="{C8332548-F664-E64B-966D-816A33A80B57}" type="datetime1">
               <a:rPr lang="en-US" smtClean="0"/>
               <a:pPr/>
-              <a:t>11/3/15</a:t>
+              <a:t>4/15/20</a:t>
             </a:fld>
             <a:endParaRPr lang="en-US"/>
           </a:p>
@@ -3193,10 +3188,9 @@
           <a:p>
             <a:pPr lvl="0"/>
             <a:r>
-              <a:rPr lang="en-US" smtClean="0"/>
+              <a:rPr lang="en-US"/>
               <a:t>Click to edit Master title style</a:t>
             </a:r>
-            <a:endParaRPr lang="en-US"/>
           </a:p>
         </p:txBody>
       </p:sp>
@@ -3237,38 +3231,37 @@
           <a:p>
             <a:pPr lvl="0"/>
             <a:r>
-              <a:rPr lang="en-US" smtClean="0"/>
+              <a:rPr lang="en-US"/>
               <a:t>Click to edit Master text styles</a:t>
             </a:r>
           </a:p>
           <a:p>
             <a:pPr lvl="1"/>
             <a:r>
-              <a:rPr lang="en-US" smtClean="0"/>
+              <a:rPr lang="en-US"/>
               <a:t>Second level</a:t>
             </a:r>
           </a:p>
           <a:p>
             <a:pPr lvl="2"/>
             <a:r>
-              <a:rPr lang="en-US" smtClean="0"/>
+              <a:rPr lang="en-US"/>
               <a:t>Third level</a:t>
             </a:r>
           </a:p>
           <a:p>
             <a:pPr lvl="3"/>
             <a:r>
-              <a:rPr lang="en-US" smtClean="0"/>
+              <a:rPr lang="en-US"/>
               <a:t>Fourth level</a:t>
             </a:r>
           </a:p>
           <a:p>
             <a:pPr lvl="4"/>
             <a:r>
-              <a:rPr lang="en-US" smtClean="0"/>
+              <a:rPr lang="en-US"/>
               <a:t>Fifth level</a:t>
             </a:r>
-            <a:endParaRPr lang="en-US"/>
           </a:p>
         </p:txBody>
       </p:sp>
@@ -3329,7 +3322,7 @@
             <a:fld id="{97796E05-5980-E044-9A8E-0F7500585CCE}" type="datetime1">
               <a:rPr lang="en-US" smtClean="0"/>
               <a:pPr/>
-              <a:t>11/3/15</a:t>
+              <a:t>4/15/20</a:t>
             </a:fld>
             <a:endParaRPr lang="en-US"/>
           </a:p>
@@ -3473,13 +3466,6 @@
     <p:sldLayoutId id="2147483670" r:id="rId10"/>
     <p:sldLayoutId id="2147483671" r:id="rId11"/>
   </p:sldLayoutIdLst>
-  <p:timing>
-    <p:tnLst>
-      <p:par>
-        <p:cTn xmlns:p14="http://schemas.microsoft.com/office/powerpoint/2010/main" id="1" dur="indefinite" restart="never" nodeType="tmRoot"/>
-      </p:par>
-    </p:tnLst>
-  </p:timing>
   <p:hf hdr="0" ftr="0" dt="0"/>
   <p:txStyles>
     <p:titleStyle>
@@ -4059,42 +4045,40 @@
           <a:lstStyle/>
           <a:p>
             <a:r>
-              <a:rPr lang="en-US" dirty="0" smtClean="0"/>
+              <a:rPr lang="en-US" dirty="0"/>
               <a:t>Language</a:t>
             </a:r>
+          </a:p>
+        </p:txBody>
+      </p:sp>
+      <p:sp>
+        <p:nvSpPr>
+          <p:cNvPr id="3" name="Subtitle 2"/>
+          <p:cNvSpPr>
+            <a:spLocks noGrp="1"/>
+          </p:cNvSpPr>
+          <p:nvPr>
+            <p:ph type="subTitle" idx="1"/>
+          </p:nvPr>
+        </p:nvSpPr>
+        <p:spPr/>
+        <p:txBody>
+          <a:bodyPr/>
+          <a:lstStyle/>
+          <a:p>
             <a:endParaRPr lang="en-US" dirty="0"/>
           </a:p>
-        </p:txBody>
-      </p:sp>
-      <p:sp>
-        <p:nvSpPr>
-          <p:cNvPr id="3" name="Subtitle 2"/>
-          <p:cNvSpPr>
-            <a:spLocks noGrp="1"/>
-          </p:cNvSpPr>
-          <p:nvPr>
-            <p:ph type="subTitle" idx="1"/>
-          </p:nvPr>
-        </p:nvSpPr>
-        <p:spPr/>
-        <p:txBody>
-          <a:bodyPr/>
-          <a:lstStyle/>
-          <a:p>
-            <a:endParaRPr lang="en-US" dirty="0" smtClean="0"/>
-          </a:p>
-          <a:p>
-            <a:r>
-              <a:rPr lang="en-US" dirty="0" smtClean="0"/>
+          <a:p>
+            <a:r>
+              <a:rPr lang="en-US" dirty="0"/>
               <a:t>Computational Cognitive Neuroscience</a:t>
             </a:r>
           </a:p>
           <a:p>
             <a:r>
-              <a:rPr lang="en-US" dirty="0" smtClean="0"/>
+              <a:rPr lang="en-US" dirty="0"/>
               <a:t>Randall O’Reilly</a:t>
             </a:r>
-            <a:endParaRPr lang="en-US" dirty="0"/>
           </a:p>
         </p:txBody>
       </p:sp>
@@ -4144,10 +4128,9 @@
           <a:lstStyle/>
           <a:p>
             <a:r>
-              <a:rPr lang="en-US" dirty="0" smtClean="0"/>
+              <a:rPr lang="en-US" dirty="0"/>
               <a:t>Wernicke’s Aphasia</a:t>
             </a:r>
-            <a:endParaRPr lang="en-US" dirty="0"/>
           </a:p>
         </p:txBody>
       </p:sp>
@@ -4287,10 +4270,9 @@
           <a:lstStyle/>
           <a:p>
             <a:r>
-              <a:rPr lang="en-US" dirty="0" smtClean="0"/>
+              <a:rPr lang="en-US" dirty="0"/>
               <a:t>Speech Output</a:t>
             </a:r>
-            <a:endParaRPr lang="en-US" dirty="0"/>
           </a:p>
         </p:txBody>
       </p:sp>
@@ -4457,10 +4439,9 @@
           <a:lstStyle/>
           <a:p>
             <a:r>
-              <a:rPr lang="en-US" dirty="0" smtClean="0"/>
+              <a:rPr lang="en-US" dirty="0"/>
               <a:t>Speech Output</a:t>
             </a:r>
-            <a:endParaRPr lang="en-US" dirty="0"/>
           </a:p>
         </p:txBody>
       </p:sp>
@@ -4556,13 +4537,6 @@
   <p:clrMapOvr>
     <a:masterClrMapping/>
   </p:clrMapOvr>
-  <p:timing>
-    <p:tnLst>
-      <p:par>
-        <p:cTn xmlns:p14="http://schemas.microsoft.com/office/powerpoint/2010/main" id="1" dur="indefinite" restart="never" nodeType="tmRoot"/>
-      </p:par>
-    </p:tnLst>
-  </p:timing>
 </p:sld>
 </file>
 
@@ -4599,10 +4573,9 @@
           <a:lstStyle/>
           <a:p>
             <a:r>
-              <a:rPr lang="en-US" dirty="0" smtClean="0"/>
+              <a:rPr lang="en-US" dirty="0"/>
               <a:t>Reading: The “Triangle Model”</a:t>
             </a:r>
-            <a:endParaRPr lang="en-US" dirty="0"/>
           </a:p>
         </p:txBody>
       </p:sp>
@@ -4735,13 +4708,6 @@
   <p:clrMapOvr>
     <a:masterClrMapping/>
   </p:clrMapOvr>
-  <p:timing>
-    <p:tnLst>
-      <p:par>
-        <p:cTn xmlns:p14="http://schemas.microsoft.com/office/powerpoint/2010/main" id="1" dur="indefinite" restart="never" nodeType="tmRoot"/>
-      </p:par>
-    </p:tnLst>
-  </p:timing>
 </p:sld>
 </file>
 
@@ -4778,14 +4744,13 @@
           <a:lstStyle/>
           <a:p>
             <a:r>
-              <a:rPr lang="en-US" i="1" dirty="0" smtClean="0"/>
+              <a:rPr lang="en-US" i="1" dirty="0"/>
               <a:t>Acquired</a:t>
             </a:r>
             <a:r>
-              <a:rPr lang="en-US" dirty="0" smtClean="0"/>
+              <a:rPr lang="en-US" dirty="0"/>
               <a:t> Dyslexia</a:t>
             </a:r>
-            <a:endParaRPr lang="en-US" dirty="0"/>
           </a:p>
         </p:txBody>
       </p:sp>
@@ -4935,13 +4900,6 @@
   <p:clrMapOvr>
     <a:masterClrMapping/>
   </p:clrMapOvr>
-  <p:timing>
-    <p:tnLst>
-      <p:par>
-        <p:cTn xmlns:p14="http://schemas.microsoft.com/office/powerpoint/2010/main" id="1" dur="indefinite" restart="never" nodeType="tmRoot"/>
-      </p:par>
-    </p:tnLst>
-  </p:timing>
 </p:sld>
 </file>
 
@@ -4978,10 +4936,9 @@
           <a:lstStyle/>
           <a:p>
             <a:r>
-              <a:rPr lang="en-US" dirty="0" smtClean="0"/>
+              <a:rPr lang="en-US" dirty="0"/>
               <a:t>Regularities &amp; Exceptions</a:t>
             </a:r>
-            <a:endParaRPr lang="en-US" dirty="0"/>
           </a:p>
         </p:txBody>
       </p:sp>
@@ -5001,30 +4958,29 @@
           <a:lstStyle/>
           <a:p>
             <a:r>
-              <a:rPr lang="en-US" dirty="0" smtClean="0"/>
+              <a:rPr lang="en-US" dirty="0"/>
               <a:t>Pronounce “</a:t>
             </a:r>
             <a:r>
-              <a:rPr lang="en-US" dirty="0" err="1" smtClean="0"/>
+              <a:rPr lang="en-US" dirty="0" err="1"/>
               <a:t>bint</a:t>
             </a:r>
             <a:r>
-              <a:rPr lang="en-US" dirty="0" smtClean="0"/>
+              <a:rPr lang="en-US" dirty="0"/>
               <a:t>”</a:t>
             </a:r>
           </a:p>
           <a:p>
             <a:r>
-              <a:rPr lang="en-US" dirty="0" smtClean="0"/>
+              <a:rPr lang="en-US" dirty="0"/>
               <a:t>(c.f., mint, hint vs. mind, find vs. pint)</a:t>
             </a:r>
           </a:p>
           <a:p>
             <a:r>
-              <a:rPr lang="en-US" dirty="0" smtClean="0"/>
+              <a:rPr lang="en-US" dirty="0"/>
               <a:t>English pronunciation has partial, context-dependent regularities (“rules”?)</a:t>
             </a:r>
-            <a:endParaRPr lang="en-US" dirty="0"/>
           </a:p>
         </p:txBody>
       </p:sp>
@@ -5062,13 +5018,6 @@
   <p:clrMapOvr>
     <a:masterClrMapping/>
   </p:clrMapOvr>
-  <p:timing>
-    <p:tnLst>
-      <p:par>
-        <p:cTn xmlns:p14="http://schemas.microsoft.com/office/powerpoint/2010/main" id="1" dur="indefinite" restart="never" nodeType="tmRoot"/>
-      </p:par>
-    </p:tnLst>
-  </p:timing>
 </p:sld>
 </file>
 
@@ -5105,10 +5054,9 @@
           <a:lstStyle/>
           <a:p>
             <a:r>
-              <a:rPr lang="en-US" dirty="0" smtClean="0"/>
+              <a:rPr lang="en-US" dirty="0"/>
               <a:t>Reading = Object Recognition</a:t>
             </a:r>
-            <a:endParaRPr lang="en-US" dirty="0"/>
           </a:p>
         </p:txBody>
       </p:sp>
@@ -5128,24 +5076,23 @@
           <a:lstStyle/>
           <a:p>
             <a:r>
-              <a:rPr lang="en-US" dirty="0" smtClean="0"/>
+              <a:rPr lang="en-US" dirty="0"/>
               <a:t>Invariance: b = “b” regardless</a:t>
             </a:r>
           </a:p>
           <a:p>
             <a:r>
-              <a:rPr lang="en-US" dirty="0" smtClean="0"/>
+              <a:rPr lang="en-US" dirty="0"/>
               <a:t>Context dependence: </a:t>
             </a:r>
             <a:r>
-              <a:rPr lang="en-US" dirty="0" err="1" smtClean="0"/>
+              <a:rPr lang="en-US" dirty="0" err="1"/>
               <a:t>i</a:t>
             </a:r>
             <a:r>
-              <a:rPr lang="en-US" dirty="0" smtClean="0"/>
+              <a:rPr lang="en-US" dirty="0"/>
               <a:t> depends on neighbors (just like any visual features in object)</a:t>
             </a:r>
-            <a:endParaRPr lang="en-US" dirty="0"/>
           </a:p>
         </p:txBody>
       </p:sp>
@@ -5183,13 +5130,6 @@
   <p:clrMapOvr>
     <a:masterClrMapping/>
   </p:clrMapOvr>
-  <p:timing>
-    <p:tnLst>
-      <p:par>
-        <p:cTn xmlns:p14="http://schemas.microsoft.com/office/powerpoint/2010/main" id="1" dur="indefinite" restart="never" nodeType="tmRoot"/>
-      </p:par>
-    </p:tnLst>
-  </p:timing>
 </p:sld>
 </file>
 
@@ -5318,14 +5258,13 @@
           <a:lstStyle/>
           <a:p>
             <a:r>
-              <a:rPr lang="en-US" dirty="0" err="1" smtClean="0"/>
+              <a:rPr lang="en-US" dirty="0" err="1"/>
               <a:t>Nonword</a:t>
             </a:r>
             <a:r>
-              <a:rPr lang="en-US" dirty="0" smtClean="0"/>
+              <a:rPr lang="en-US" dirty="0"/>
               <a:t> Performance</a:t>
             </a:r>
-            <a:endParaRPr lang="en-US" dirty="0"/>
           </a:p>
         </p:txBody>
       </p:sp>
@@ -5388,13 +5327,6 @@
   <p:clrMapOvr>
     <a:masterClrMapping/>
   </p:clrMapOvr>
-  <p:timing>
-    <p:tnLst>
-      <p:par>
-        <p:cTn xmlns:p14="http://schemas.microsoft.com/office/powerpoint/2010/main" id="1" dur="indefinite" restart="never" nodeType="tmRoot"/>
-      </p:par>
-    </p:tnLst>
-  </p:timing>
 </p:sld>
 </file>
 
@@ -5431,10 +5363,9 @@
           <a:lstStyle/>
           <a:p>
             <a:r>
-              <a:rPr lang="en-US" dirty="0" smtClean="0"/>
+              <a:rPr lang="en-US" dirty="0"/>
               <a:t>Semantics</a:t>
             </a:r>
-            <a:endParaRPr lang="en-US" dirty="0"/>
           </a:p>
         </p:txBody>
       </p:sp>
@@ -5509,13 +5440,6 @@
   <p:clrMapOvr>
     <a:masterClrMapping/>
   </p:clrMapOvr>
-  <p:timing>
-    <p:tnLst>
-      <p:par>
-        <p:cTn xmlns:p14="http://schemas.microsoft.com/office/powerpoint/2010/main" id="1" dur="indefinite" restart="never" nodeType="tmRoot"/>
-      </p:par>
-    </p:tnLst>
-  </p:timing>
 </p:sld>
 </file>
 
@@ -5552,18 +5476,9 @@
           <a:lstStyle/>
           <a:p>
             <a:r>
-              <a:rPr lang="en-US" dirty="0" smtClean="0"/>
-              <a:t>Language Involves </a:t>
-            </a:r>
-            <a:r>
               <a:rPr lang="en-US" dirty="0"/>
-              <a:t>a</a:t>
-            </a:r>
-            <a:r>
-              <a:rPr lang="en-US" dirty="0" smtClean="0"/>
-              <a:t>ll of Cognition</a:t>
-            </a:r>
-            <a:endParaRPr lang="en-US" dirty="0"/>
+              <a:t>Language Involves all of Cognition</a:t>
+            </a:r>
           </a:p>
         </p:txBody>
       </p:sp>
@@ -5652,59 +5567,58 @@
           <a:lstStyle/>
           <a:p>
             <a:r>
-              <a:rPr lang="en-US" b="1" dirty="0" smtClean="0"/>
+              <a:rPr lang="en-US" b="1" dirty="0"/>
               <a:t>Perception</a:t>
             </a:r>
             <a:r>
-              <a:rPr lang="en-US" dirty="0" smtClean="0"/>
+              <a:rPr lang="en-US" dirty="0"/>
               <a:t>: hearing &amp; reading words</a:t>
             </a:r>
           </a:p>
           <a:p>
             <a:r>
-              <a:rPr lang="en-US" b="1" dirty="0" smtClean="0"/>
+              <a:rPr lang="en-US" b="1" dirty="0"/>
               <a:t>Attention</a:t>
             </a:r>
             <a:r>
-              <a:rPr lang="en-US" dirty="0" smtClean="0"/>
+              <a:rPr lang="en-US" dirty="0"/>
               <a:t>: picking out words, speakers from many</a:t>
             </a:r>
           </a:p>
           <a:p>
             <a:r>
-              <a:rPr lang="en-US" b="1" dirty="0" smtClean="0"/>
+              <a:rPr lang="en-US" b="1" dirty="0"/>
               <a:t>Motor</a:t>
             </a:r>
             <a:r>
-              <a:rPr lang="en-US" dirty="0" smtClean="0"/>
+              <a:rPr lang="en-US" dirty="0"/>
               <a:t>: speech, writing, </a:t>
             </a:r>
             <a:r>
-              <a:rPr lang="en-US" dirty="0" err="1" smtClean="0"/>
+              <a:rPr lang="en-US" dirty="0" err="1"/>
               <a:t>etc</a:t>
             </a:r>
-            <a:endParaRPr lang="en-US" dirty="0" smtClean="0"/>
-          </a:p>
-          <a:p>
-            <a:r>
-              <a:rPr lang="en-US" b="1" dirty="0" smtClean="0"/>
+            <a:endParaRPr lang="en-US" dirty="0"/>
+          </a:p>
+          <a:p>
+            <a:r>
+              <a:rPr lang="en-US" b="1" dirty="0"/>
               <a:t>Memory</a:t>
             </a:r>
             <a:r>
-              <a:rPr lang="en-US" dirty="0" smtClean="0"/>
+              <a:rPr lang="en-US" dirty="0"/>
               <a:t>: semantics, specific content – how do you encode plot of a book?</a:t>
             </a:r>
           </a:p>
           <a:p>
             <a:r>
-              <a:rPr lang="en-US" b="1" dirty="0" smtClean="0"/>
+              <a:rPr lang="en-US" b="1" dirty="0"/>
               <a:t>Executive Function</a:t>
             </a:r>
             <a:r>
-              <a:rPr lang="en-US" dirty="0" smtClean="0"/>
+              <a:rPr lang="en-US" dirty="0"/>
               <a:t>: maintaining context, planning speech, syntax structure..</a:t>
             </a:r>
-            <a:endParaRPr lang="en-US" dirty="0"/>
           </a:p>
         </p:txBody>
       </p:sp>
@@ -5754,46 +5668,45 @@
           <a:lstStyle/>
           <a:p>
             <a:r>
-              <a:rPr lang="en-US" dirty="0" smtClean="0"/>
+              <a:rPr lang="en-US" dirty="0"/>
               <a:t>Word Statistics</a:t>
             </a:r>
+          </a:p>
+        </p:txBody>
+      </p:sp>
+      <p:sp>
+        <p:nvSpPr>
+          <p:cNvPr id="3" name="Content Placeholder 2"/>
+          <p:cNvSpPr>
+            <a:spLocks noGrp="1"/>
+          </p:cNvSpPr>
+          <p:nvPr>
+            <p:ph idx="1"/>
+          </p:nvPr>
+        </p:nvSpPr>
+        <p:spPr/>
+        <p:txBody>
+          <a:bodyPr/>
+          <a:lstStyle/>
+          <a:p>
+            <a:r>
+              <a:rPr lang="en-US" dirty="0"/>
+              <a:t>Can you infer word meaning from the company it keeps??</a:t>
+            </a:r>
+          </a:p>
+          <a:p>
+            <a:pPr lvl="1"/>
+            <a:r>
+              <a:rPr lang="en-US" dirty="0"/>
+              <a:t>Yes!  Latent Semantic Analysis (LSA)</a:t>
+            </a:r>
+          </a:p>
+          <a:p>
             <a:endParaRPr lang="en-US" dirty="0"/>
           </a:p>
-        </p:txBody>
-      </p:sp>
-      <p:sp>
-        <p:nvSpPr>
-          <p:cNvPr id="3" name="Content Placeholder 2"/>
-          <p:cNvSpPr>
-            <a:spLocks noGrp="1"/>
-          </p:cNvSpPr>
-          <p:nvPr>
-            <p:ph idx="1"/>
-          </p:nvPr>
-        </p:nvSpPr>
-        <p:spPr/>
-        <p:txBody>
-          <a:bodyPr/>
-          <a:lstStyle/>
-          <a:p>
-            <a:r>
-              <a:rPr lang="en-US" dirty="0" smtClean="0"/>
-              <a:t>Can you infer word meaning from the company it keeps??</a:t>
-            </a:r>
-          </a:p>
-          <a:p>
-            <a:pPr lvl="1"/>
-            <a:r>
-              <a:rPr lang="en-US" dirty="0" smtClean="0"/>
-              <a:t>Yes!  Latent Semantic Analysis (LSA)</a:t>
-            </a:r>
-          </a:p>
-          <a:p>
-            <a:endParaRPr lang="en-US" dirty="0"/>
-          </a:p>
-          <a:p>
-            <a:r>
-              <a:rPr lang="en-US" dirty="0" smtClean="0"/>
+          <a:p>
+            <a:r>
+              <a:rPr lang="en-US" dirty="0"/>
               <a:t>Just like V1 RF model – extract statistical structure from natural correlations in language</a:t>
             </a:r>
           </a:p>
@@ -5833,13 +5746,6 @@
   <p:clrMapOvr>
     <a:masterClrMapping/>
   </p:clrMapOvr>
-  <p:timing>
-    <p:tnLst>
-      <p:par>
-        <p:cTn xmlns:p14="http://schemas.microsoft.com/office/powerpoint/2010/main" id="1" dur="indefinite" restart="never" nodeType="tmRoot"/>
-      </p:par>
-    </p:tnLst>
-  </p:timing>
 </p:sld>
 </file>
 
@@ -5876,10 +5782,9 @@
           <a:lstStyle/>
           <a:p>
             <a:r>
-              <a:rPr lang="en-US" dirty="0" smtClean="0"/>
+              <a:rPr lang="en-US" dirty="0"/>
               <a:t>Multiple Choice Quiz</a:t>
             </a:r>
-            <a:endParaRPr lang="en-US" dirty="0"/>
           </a:p>
         </p:txBody>
       </p:sp>
@@ -5942,13 +5847,6 @@
   <p:clrMapOvr>
     <a:masterClrMapping/>
   </p:clrMapOvr>
-  <p:timing>
-    <p:tnLst>
-      <p:par>
-        <p:cTn xmlns:p14="http://schemas.microsoft.com/office/powerpoint/2010/main" id="1" dur="indefinite" restart="never" nodeType="tmRoot"/>
-      </p:par>
-    </p:tnLst>
-  </p:timing>
 </p:sld>
 </file>
 
@@ -5985,10 +5883,9 @@
           <a:lstStyle/>
           <a:p>
             <a:r>
-              <a:rPr lang="en-US" dirty="0" smtClean="0"/>
+              <a:rPr lang="en-US" dirty="0"/>
               <a:t>Sentences and Syntax</a:t>
             </a:r>
-            <a:endParaRPr lang="en-US" dirty="0"/>
           </a:p>
         </p:txBody>
       </p:sp>
@@ -6085,13 +5982,6 @@
   <p:clrMapOvr>
     <a:masterClrMapping/>
   </p:clrMapOvr>
-  <p:timing>
-    <p:tnLst>
-      <p:par>
-        <p:cTn xmlns:p14="http://schemas.microsoft.com/office/powerpoint/2010/main" id="1" dur="indefinite" restart="never" nodeType="tmRoot"/>
-      </p:par>
-    </p:tnLst>
-  </p:timing>
 </p:sld>
 </file>
 
@@ -6128,37 +6018,51 @@
           <a:lstStyle/>
           <a:p>
             <a:r>
-              <a:rPr lang="en-US" dirty="0" smtClean="0"/>
+              <a:rPr lang="en-US" dirty="0"/>
               <a:t>Those Pesky Time Flies..</a:t>
             </a:r>
+          </a:p>
+        </p:txBody>
+      </p:sp>
+      <p:sp>
+        <p:nvSpPr>
+          <p:cNvPr id="3" name="Content Placeholder 2"/>
+          <p:cNvSpPr>
+            <a:spLocks noGrp="1"/>
+          </p:cNvSpPr>
+          <p:nvPr>
+            <p:ph idx="1"/>
+          </p:nvPr>
+        </p:nvSpPr>
+        <p:spPr/>
+        <p:txBody>
+          <a:bodyPr/>
+          <a:lstStyle/>
+          <a:p>
+            <a:r>
+              <a:rPr lang="en-US" dirty="0"/>
+              <a:t>Time flies like an arrow.</a:t>
+            </a:r>
+          </a:p>
+          <a:p>
+            <a:r>
+              <a:rPr lang="en-US" dirty="0"/>
+              <a:t>Fruit flies like a banana.</a:t>
+            </a:r>
+          </a:p>
+          <a:p>
             <a:endParaRPr lang="en-US" dirty="0"/>
           </a:p>
-        </p:txBody>
-      </p:sp>
-      <p:sp>
-        <p:nvSpPr>
-          <p:cNvPr id="3" name="Content Placeholder 2"/>
-          <p:cNvSpPr>
-            <a:spLocks noGrp="1"/>
-          </p:cNvSpPr>
-          <p:nvPr>
-            <p:ph idx="1"/>
-          </p:nvPr>
-        </p:nvSpPr>
-        <p:spPr/>
-        <p:txBody>
-          <a:bodyPr/>
-          <a:lstStyle/>
-          <a:p>
-            <a:r>
-              <a:rPr lang="en-US" dirty="0" smtClean="0"/>
-              <a:t>Time flies like an arrow.</a:t>
-            </a:r>
-          </a:p>
-          <a:p>
-            <a:r>
-              <a:rPr lang="en-US" dirty="0" smtClean="0"/>
-              <a:t>Fruit flies like a banana.</a:t>
+          <a:p>
+            <a:r>
+              <a:rPr lang="en-US" dirty="0"/>
+              <a:t>The slippers were found by the nosy dog.</a:t>
+            </a:r>
+          </a:p>
+          <a:p>
+            <a:r>
+              <a:rPr lang="en-US" dirty="0"/>
+              <a:t>The slippers were found by the sleeping dog.</a:t>
             </a:r>
           </a:p>
           <a:p>
@@ -6166,25 +6070,9 @@
           </a:p>
           <a:p>
             <a:r>
-              <a:rPr lang="en-US" dirty="0" smtClean="0"/>
-              <a:t>The slippers were found by the nosy dog.</a:t>
-            </a:r>
-          </a:p>
-          <a:p>
-            <a:r>
-              <a:rPr lang="en-US" dirty="0" smtClean="0"/>
-              <a:t>The slippers were found by the sleeping dog.</a:t>
-            </a:r>
-          </a:p>
-          <a:p>
-            <a:endParaRPr lang="en-US" dirty="0"/>
-          </a:p>
-          <a:p>
-            <a:r>
-              <a:rPr lang="en-US" dirty="0" smtClean="0"/>
+              <a:rPr lang="en-US" dirty="0"/>
               <a:t>Syntax depends on semantics very deeply..</a:t>
             </a:r>
-            <a:endParaRPr lang="en-US" dirty="0"/>
           </a:p>
         </p:txBody>
       </p:sp>
@@ -6222,13 +6110,6 @@
   <p:clrMapOvr>
     <a:masterClrMapping/>
   </p:clrMapOvr>
-  <p:timing>
-    <p:tnLst>
-      <p:par>
-        <p:cTn xmlns:p14="http://schemas.microsoft.com/office/powerpoint/2010/main" id="1" dur="indefinite" restart="never" nodeType="tmRoot"/>
-      </p:par>
-    </p:tnLst>
-  </p:timing>
 </p:sld>
 </file>
 
@@ -6265,59 +6146,50 @@
           <a:lstStyle/>
           <a:p>
             <a:r>
-              <a:rPr lang="en-US" dirty="0" smtClean="0"/>
+              <a:rPr lang="en-US" dirty="0"/>
               <a:t>The “Gestalt” Alternative</a:t>
             </a:r>
+          </a:p>
+        </p:txBody>
+      </p:sp>
+      <p:sp>
+        <p:nvSpPr>
+          <p:cNvPr id="3" name="Content Placeholder 2"/>
+          <p:cNvSpPr>
+            <a:spLocks noGrp="1"/>
+          </p:cNvSpPr>
+          <p:nvPr>
+            <p:ph idx="1"/>
+          </p:nvPr>
+        </p:nvSpPr>
+        <p:spPr/>
+        <p:txBody>
+          <a:bodyPr/>
+          <a:lstStyle/>
+          <a:p>
+            <a:r>
+              <a:rPr lang="en-US" dirty="0"/>
+              <a:t>Just try to get the gist of what the sentence is saying:</a:t>
+            </a:r>
+          </a:p>
+          <a:p>
+            <a:r>
+              <a:rPr lang="en-US" dirty="0"/>
+              <a:t>G. W. Bush:</a:t>
+            </a:r>
+          </a:p>
+          <a:p>
+            <a:r>
+              <a:rPr lang="en-US" dirty="0"/>
+              <a:t>“Families is where our nation finds hope, where wings take dream.”</a:t>
+            </a:r>
+          </a:p>
+          <a:p>
             <a:endParaRPr lang="en-US" dirty="0"/>
           </a:p>
-        </p:txBody>
-      </p:sp>
-      <p:sp>
-        <p:nvSpPr>
-          <p:cNvPr id="3" name="Content Placeholder 2"/>
-          <p:cNvSpPr>
-            <a:spLocks noGrp="1"/>
-          </p:cNvSpPr>
-          <p:nvPr>
-            <p:ph idx="1"/>
-          </p:nvPr>
-        </p:nvSpPr>
-        <p:spPr/>
-        <p:txBody>
-          <a:bodyPr/>
-          <a:lstStyle/>
-          <a:p>
-            <a:r>
-              <a:rPr lang="en-US" dirty="0" smtClean="0"/>
-              <a:t>Just try to get the gist of what the sentence is saying:</a:t>
-            </a:r>
-          </a:p>
-          <a:p>
-            <a:r>
-              <a:rPr lang="en-US" dirty="0" smtClean="0"/>
-              <a:t>G. W. Bush:</a:t>
-            </a:r>
-          </a:p>
-          <a:p>
-            <a:r>
-              <a:rPr lang="en-US" dirty="0" smtClean="0"/>
-              <a:t>“Families </a:t>
-            </a:r>
+          <a:p>
             <a:r>
               <a:rPr lang="en-US" dirty="0"/>
-              <a:t>is where our nation finds hope, where wings take dream</a:t>
-            </a:r>
-            <a:r>
-              <a:rPr lang="en-US" dirty="0" smtClean="0"/>
-              <a:t>.”</a:t>
-            </a:r>
-          </a:p>
-          <a:p>
-            <a:endParaRPr lang="en-US" dirty="0"/>
-          </a:p>
-          <a:p>
-            <a:r>
-              <a:rPr lang="en-US" dirty="0" smtClean="0"/>
               <a:t>Does this really work?  How?</a:t>
             </a:r>
           </a:p>
@@ -6357,13 +6229,6 @@
   <p:clrMapOvr>
     <a:masterClrMapping/>
   </p:clrMapOvr>
-  <p:timing>
-    <p:tnLst>
-      <p:par>
-        <p:cTn xmlns:p14="http://schemas.microsoft.com/office/powerpoint/2010/main" id="1" dur="indefinite" restart="never" nodeType="tmRoot"/>
-      </p:par>
-    </p:tnLst>
-  </p:timing>
 </p:sld>
 </file>
 
@@ -6400,10 +6265,9 @@
           <a:lstStyle/>
           <a:p>
             <a:r>
-              <a:rPr lang="en-US" dirty="0" smtClean="0"/>
+              <a:rPr lang="en-US" dirty="0"/>
               <a:t>Sentence Gestalt Model</a:t>
             </a:r>
-            <a:endParaRPr lang="en-US" dirty="0"/>
           </a:p>
         </p:txBody>
       </p:sp>
@@ -6466,13 +6330,6 @@
   <p:clrMapOvr>
     <a:masterClrMapping/>
   </p:clrMapOvr>
-  <p:timing>
-    <p:tnLst>
-      <p:par>
-        <p:cTn xmlns:p14="http://schemas.microsoft.com/office/powerpoint/2010/main" id="1" dur="indefinite" restart="never" nodeType="tmRoot"/>
-      </p:par>
-    </p:tnLst>
-  </p:timing>
 </p:sld>
 </file>
 
@@ -6509,10 +6366,9 @@
           <a:lstStyle/>
           <a:p>
             <a:r>
-              <a:rPr lang="en-US" dirty="0" smtClean="0"/>
+              <a:rPr lang="en-US" dirty="0"/>
               <a:t>SG Toy World</a:t>
             </a:r>
-            <a:endParaRPr lang="en-US" dirty="0"/>
           </a:p>
         </p:txBody>
       </p:sp>
@@ -6702,13 +6558,6 @@
   <p:clrMapOvr>
     <a:masterClrMapping/>
   </p:clrMapOvr>
-  <p:timing>
-    <p:tnLst>
-      <p:par>
-        <p:cTn xmlns:p14="http://schemas.microsoft.com/office/powerpoint/2010/main" id="1" dur="indefinite" restart="never" nodeType="tmRoot"/>
-      </p:par>
-    </p:tnLst>
-  </p:timing>
 </p:sld>
 </file>
 
@@ -6750,10 +6599,9 @@
           <a:lstStyle/>
           <a:p>
             <a:r>
-              <a:rPr lang="en-US" dirty="0" smtClean="0"/>
+              <a:rPr lang="en-US" dirty="0"/>
               <a:t>SG Example/Probe Sentences</a:t>
             </a:r>
-            <a:endParaRPr lang="en-US" dirty="0"/>
           </a:p>
         </p:txBody>
       </p:sp>
@@ -6990,13 +6838,6 @@
   <p:clrMapOvr>
     <a:masterClrMapping/>
   </p:clrMapOvr>
-  <p:timing>
-    <p:tnLst>
-      <p:par>
-        <p:cTn xmlns:p14="http://schemas.microsoft.com/office/powerpoint/2010/main" id="1" dur="indefinite" restart="never" nodeType="tmRoot"/>
-      </p:par>
-    </p:tnLst>
-  </p:timing>
 </p:sld>
 </file>
 
@@ -7033,10 +6874,9 @@
           <a:lstStyle/>
           <a:p>
             <a:r>
-              <a:rPr lang="en-US" dirty="0" smtClean="0"/>
+              <a:rPr lang="en-US" dirty="0"/>
               <a:t>SG Example/Probe Sentences</a:t>
             </a:r>
-            <a:endParaRPr lang="en-US" dirty="0"/>
           </a:p>
         </p:txBody>
       </p:sp>
@@ -7194,13 +7034,6 @@
   <p:clrMapOvr>
     <a:masterClrMapping/>
   </p:clrMapOvr>
-  <p:timing>
-    <p:tnLst>
-      <p:par>
-        <p:cTn xmlns:p14="http://schemas.microsoft.com/office/powerpoint/2010/main" id="1" dur="indefinite" restart="never" nodeType="tmRoot"/>
-      </p:par>
-    </p:tnLst>
-  </p:timing>
 </p:sld>
 </file>
 
@@ -7237,10 +7070,9 @@
           <a:lstStyle/>
           <a:p>
             <a:r>
-              <a:rPr lang="en-US" dirty="0" smtClean="0"/>
+              <a:rPr lang="en-US" dirty="0"/>
               <a:t>Gestalt Representations</a:t>
             </a:r>
-            <a:endParaRPr lang="en-US" dirty="0"/>
           </a:p>
         </p:txBody>
       </p:sp>
@@ -7307,13 +7139,6 @@
   <p:clrMapOvr>
     <a:masterClrMapping/>
   </p:clrMapOvr>
-  <p:timing>
-    <p:tnLst>
-      <p:par>
-        <p:cTn xmlns:p14="http://schemas.microsoft.com/office/powerpoint/2010/main" id="1" dur="indefinite" restart="never" nodeType="tmRoot"/>
-      </p:par>
-    </p:tnLst>
-  </p:timing>
 </p:sld>
 </file>
 
@@ -7350,10 +7175,9 @@
           <a:lstStyle/>
           <a:p>
             <a:r>
-              <a:rPr lang="en-US" dirty="0" smtClean="0"/>
+              <a:rPr lang="en-US" dirty="0"/>
               <a:t>Language is Special</a:t>
             </a:r>
-            <a:endParaRPr lang="en-US" dirty="0"/>
           </a:p>
         </p:txBody>
       </p:sp>
@@ -7373,38 +7197,38 @@
           <a:lstStyle/>
           <a:p>
             <a:r>
-              <a:rPr lang="en-US" dirty="0" smtClean="0"/>
+              <a:rPr lang="en-US" dirty="0"/>
               <a:t>Symbols</a:t>
             </a:r>
           </a:p>
           <a:p>
             <a:r>
-              <a:rPr lang="en-US" dirty="0" smtClean="0"/>
+              <a:rPr lang="en-US" dirty="0"/>
               <a:t>Syntax</a:t>
             </a:r>
           </a:p>
           <a:p>
             <a:r>
-              <a:rPr lang="en-US" dirty="0" smtClean="0"/>
+              <a:rPr lang="en-US" dirty="0"/>
               <a:t>Temporally-extended sequences</a:t>
             </a:r>
           </a:p>
           <a:p>
             <a:r>
-              <a:rPr lang="en-US" dirty="0" smtClean="0"/>
+              <a:rPr lang="en-US" dirty="0"/>
               <a:t>Cultural transmission</a:t>
             </a:r>
           </a:p>
           <a:p>
             <a:r>
-              <a:rPr lang="en-US" dirty="0" smtClean="0"/>
+              <a:rPr lang="en-US" dirty="0"/>
               <a:t>Embedded levels of structure:</a:t>
             </a:r>
           </a:p>
           <a:p>
             <a:pPr lvl="1"/>
             <a:r>
-              <a:rPr lang="en-US" dirty="0" smtClean="0"/>
+              <a:rPr lang="en-US" dirty="0"/>
               <a:t>“The horse raced past the barn fell”</a:t>
             </a:r>
           </a:p>
@@ -7412,21 +7236,8 @@
             <a:pPr lvl="1"/>
             <a:r>
               <a:rPr lang="en-US" dirty="0"/>
-              <a:t>"Isn't it true that example-sentences that people </a:t>
-            </a:r>
-            <a:r>
-              <a:rPr lang="en-US" dirty="0" smtClean="0"/>
-              <a:t>that you </a:t>
-            </a:r>
-            <a:r>
-              <a:rPr lang="en-US" dirty="0"/>
-              <a:t>know produce are more likely to be accepted</a:t>
-            </a:r>
-            <a:r>
-              <a:rPr lang="en-US" dirty="0" smtClean="0"/>
-              <a:t>?”</a:t>
-            </a:r>
-            <a:endParaRPr lang="en-US" dirty="0"/>
+              <a:t>"Isn't it true that example-sentences that people that you know produce are more likely to be accepted?”</a:t>
+            </a:r>
           </a:p>
         </p:txBody>
       </p:sp>
@@ -7500,10 +7311,9 @@
           <a:lstStyle/>
           <a:p>
             <a:r>
-              <a:rPr lang="en-US" smtClean="0"/>
+              <a:rPr lang="en-US"/>
               <a:t>Gestalt Representations</a:t>
             </a:r>
-            <a:endParaRPr lang="en-US"/>
           </a:p>
         </p:txBody>
       </p:sp>
@@ -7570,13 +7380,6 @@
   <p:clrMapOvr>
     <a:masterClrMapping/>
   </p:clrMapOvr>
-  <p:timing>
-    <p:tnLst>
-      <p:par>
-        <p:cTn xmlns:p14="http://schemas.microsoft.com/office/powerpoint/2010/main" id="1" dur="indefinite" restart="never" nodeType="tmRoot"/>
-      </p:par>
-    </p:tnLst>
-  </p:timing>
 </p:sld>
 </file>
 
@@ -7613,10 +7416,9 @@
           <a:lstStyle/>
           <a:p>
             <a:r>
-              <a:rPr lang="en-US" smtClean="0"/>
+              <a:rPr lang="en-US"/>
               <a:t>Gestalt Representations</a:t>
             </a:r>
-            <a:endParaRPr lang="en-US"/>
           </a:p>
         </p:txBody>
       </p:sp>
@@ -7719,10 +7521,9 @@
           <a:lstStyle/>
           <a:p>
             <a:r>
-              <a:rPr lang="en-US" dirty="0" smtClean="0"/>
+              <a:rPr lang="en-US" dirty="0"/>
               <a:t>Language Controversies</a:t>
             </a:r>
-            <a:endParaRPr lang="en-US" dirty="0"/>
           </a:p>
         </p:txBody>
       </p:sp>
@@ -7742,21 +7543,21 @@
           <a:lstStyle/>
           <a:p>
             <a:r>
-              <a:rPr lang="en-US" dirty="0" smtClean="0"/>
+              <a:rPr lang="en-US" dirty="0"/>
               <a:t>How special is language: just co-opting existing neural </a:t>
             </a:r>
             <a:r>
-              <a:rPr lang="en-US" dirty="0" err="1" smtClean="0"/>
+              <a:rPr lang="en-US" dirty="0" err="1"/>
               <a:t>mechs</a:t>
             </a:r>
             <a:r>
-              <a:rPr lang="en-US" dirty="0" smtClean="0"/>
+              <a:rPr lang="en-US" dirty="0"/>
               <a:t> vs. innate language modules?</a:t>
             </a:r>
           </a:p>
           <a:p>
             <a:r>
-              <a:rPr lang="en-US" dirty="0" smtClean="0"/>
+              <a:rPr lang="en-US" dirty="0"/>
               <a:t>Rules vs. regularities: is there anything special about rule-like behavior in language?</a:t>
             </a:r>
           </a:p>
@@ -7767,7 +7568,7 @@
               </a:lnSpc>
             </a:pPr>
             <a:r>
-              <a:rPr lang="en-US" dirty="0" smtClean="0"/>
+              <a:rPr lang="en-US" dirty="0"/>
               <a:t>Spelling to sound: Exceptions also have sub-rules..</a:t>
             </a:r>
           </a:p>
@@ -7778,27 +7579,27 @@
               </a:lnSpc>
             </a:pPr>
             <a:r>
-              <a:rPr lang="en-US" dirty="0" err="1" smtClean="0"/>
+              <a:rPr lang="en-US" dirty="0" err="1"/>
               <a:t>Overregularization</a:t>
             </a:r>
             <a:r>
-              <a:rPr lang="en-US" dirty="0" smtClean="0"/>
+              <a:rPr lang="en-US" dirty="0"/>
               <a:t> (add “-</a:t>
             </a:r>
             <a:r>
-              <a:rPr lang="en-US" dirty="0" err="1" smtClean="0"/>
+              <a:rPr lang="en-US" dirty="0" err="1"/>
               <a:t>ed</a:t>
             </a:r>
             <a:r>
-              <a:rPr lang="en-US" dirty="0" smtClean="0"/>
+              <a:rPr lang="en-US" dirty="0"/>
               <a:t>” = “</a:t>
             </a:r>
             <a:r>
-              <a:rPr lang="en-US" dirty="0" err="1" smtClean="0"/>
+              <a:rPr lang="en-US" dirty="0" err="1"/>
               <a:t>goed</a:t>
             </a:r>
             <a:r>
-              <a:rPr lang="en-US" dirty="0" smtClean="0"/>
+              <a:rPr lang="en-US" dirty="0"/>
               <a:t>”) – evidence of rule system coming online?</a:t>
             </a:r>
           </a:p>
@@ -7809,10 +7610,9 @@
               </a:lnSpc>
             </a:pPr>
             <a:r>
-              <a:rPr lang="en-US" dirty="0" smtClean="0"/>
+              <a:rPr lang="en-US" dirty="0"/>
               <a:t>Truly variable-like behavior?  Generative, abstract.</a:t>
             </a:r>
-            <a:endParaRPr lang="en-US" dirty="0"/>
           </a:p>
         </p:txBody>
       </p:sp>
@@ -7886,10 +7686,9 @@
           <a:lstStyle/>
           <a:p>
             <a:r>
-              <a:rPr lang="en-US" dirty="0" smtClean="0"/>
+              <a:rPr lang="en-US" dirty="0"/>
               <a:t>What is Truly Novel?</a:t>
             </a:r>
-            <a:endParaRPr lang="en-US" dirty="0"/>
           </a:p>
         </p:txBody>
       </p:sp>
@@ -7914,23 +7713,23 @@
               </a:lnSpc>
             </a:pPr>
             <a:r>
-              <a:rPr lang="en-US" dirty="0" smtClean="0"/>
+              <a:rPr lang="en-US" dirty="0"/>
               <a:t>Pure syntax: “</a:t>
             </a:r>
             <a:r>
-              <a:rPr lang="en-US" dirty="0" err="1" smtClean="0"/>
+              <a:rPr lang="en-US" dirty="0" err="1"/>
               <a:t>Adj</a:t>
             </a:r>
             <a:r>
-              <a:rPr lang="en-US" dirty="0" smtClean="0"/>
+              <a:rPr lang="en-US" dirty="0"/>
               <a:t> </a:t>
             </a:r>
             <a:r>
-              <a:rPr lang="en-US" dirty="0" err="1" smtClean="0"/>
+              <a:rPr lang="en-US" dirty="0" err="1"/>
               <a:t>Adj</a:t>
             </a:r>
             <a:r>
-              <a:rPr lang="en-US" dirty="0" smtClean="0"/>
+              <a:rPr lang="en-US" dirty="0"/>
               <a:t> Noun Verb Adverb”</a:t>
             </a:r>
           </a:p>
@@ -7941,12 +7740,8 @@
               </a:lnSpc>
             </a:pPr>
             <a:r>
-              <a:rPr lang="en-US" dirty="0" smtClean="0"/>
-              <a:t>“Colorless </a:t>
-            </a:r>
-            <a:r>
               <a:rPr lang="en-US" dirty="0"/>
-              <a:t>green ideas sleep furiously”</a:t>
+              <a:t>“Colorless green ideas sleep furiously”</a:t>
             </a:r>
           </a:p>
           <a:p>
@@ -7957,11 +7752,7 @@
             </a:pPr>
             <a:r>
               <a:rPr lang="en-US" dirty="0"/>
-              <a:t>But: “Newly formed bland ideas are inexpressible in an infuriating way.</a:t>
-            </a:r>
-            <a:r>
-              <a:rPr lang="en-US" dirty="0" smtClean="0"/>
-              <a:t>”</a:t>
+              <a:t>But: “Newly formed bland ideas are inexpressible in an infuriating way.”</a:t>
             </a:r>
           </a:p>
           <a:p>
@@ -7993,7 +7784,7 @@
           </a:p>
           <a:p>
             <a:r>
-              <a:rPr lang="en-US" dirty="0" smtClean="0"/>
+              <a:rPr lang="en-US" dirty="0"/>
               <a:t>“</a:t>
             </a:r>
             <a:r>
@@ -8021,29 +7812,28 @@
               <a:t> </a:t>
             </a:r>
             <a:r>
-              <a:rPr lang="en-US" dirty="0" err="1" smtClean="0"/>
+              <a:rPr lang="en-US" dirty="0" err="1"/>
               <a:t>toves</a:t>
             </a:r>
             <a:r>
-              <a:rPr lang="en-US" dirty="0" smtClean="0"/>
+              <a:rPr lang="en-US" dirty="0"/>
               <a:t>..”</a:t>
             </a:r>
           </a:p>
           <a:p>
             <a:pPr lvl="1"/>
             <a:r>
-              <a:rPr lang="en-US" dirty="0" smtClean="0"/>
+              <a:rPr lang="en-US" dirty="0"/>
               <a:t>But each word has </a:t>
             </a:r>
             <a:r>
-              <a:rPr lang="en-US" i="1" dirty="0" smtClean="0"/>
+              <a:rPr lang="en-US" i="1" dirty="0"/>
               <a:t>some</a:t>
             </a:r>
             <a:r>
-              <a:rPr lang="en-US" dirty="0" smtClean="0"/>
+              <a:rPr lang="en-US" dirty="0"/>
               <a:t> overlap with real words..</a:t>
             </a:r>
-            <a:endParaRPr lang="en-US" dirty="0"/>
           </a:p>
         </p:txBody>
       </p:sp>
@@ -8117,10 +7907,9 @@
           <a:lstStyle/>
           <a:p>
             <a:r>
-              <a:rPr lang="en-US" dirty="0" smtClean="0"/>
+              <a:rPr lang="en-US" dirty="0"/>
               <a:t>Time and Language</a:t>
             </a:r>
-            <a:endParaRPr lang="en-US" dirty="0"/>
           </a:p>
         </p:txBody>
       </p:sp>
@@ -8140,10 +7929,9 @@
           <a:lstStyle/>
           <a:p>
             <a:r>
-              <a:rPr lang="en-US" dirty="0" smtClean="0"/>
+              <a:rPr lang="en-US" dirty="0"/>
               <a:t>Distributed representation broken down and sent over a sequential channel:</a:t>
             </a:r>
-            <a:endParaRPr lang="en-US" dirty="0"/>
           </a:p>
         </p:txBody>
       </p:sp>
@@ -8224,10 +8012,9 @@
           <a:lstStyle/>
           <a:p>
             <a:r>
-              <a:rPr lang="en-US" dirty="0" smtClean="0"/>
+              <a:rPr lang="en-US" dirty="0"/>
               <a:t>The summer is a fun time for going to the beach, dancing, …</a:t>
             </a:r>
-            <a:endParaRPr lang="en-US" dirty="0"/>
           </a:p>
         </p:txBody>
       </p:sp>
@@ -8277,10 +8064,9 @@
           <a:lstStyle/>
           <a:p>
             <a:r>
-              <a:rPr lang="en-US" dirty="0" smtClean="0"/>
+              <a:rPr lang="en-US" dirty="0"/>
               <a:t>Distributed Reps of Words</a:t>
             </a:r>
-            <a:endParaRPr lang="en-US" dirty="0"/>
           </a:p>
         </p:txBody>
       </p:sp>
@@ -8862,10 +8648,9 @@
           <a:lstStyle/>
           <a:p>
             <a:r>
-              <a:rPr lang="en-US" dirty="0" smtClean="0"/>
+              <a:rPr lang="en-US" dirty="0"/>
               <a:t>Biology of Language</a:t>
             </a:r>
-            <a:endParaRPr lang="en-US" dirty="0"/>
           </a:p>
         </p:txBody>
       </p:sp>
@@ -8967,10 +8752,9 @@
           <a:lstStyle/>
           <a:p>
             <a:r>
-              <a:rPr lang="en-US" dirty="0" smtClean="0"/>
+              <a:rPr lang="en-US" dirty="0"/>
               <a:t>Example of Wernicke’s Aphasia</a:t>
             </a:r>
-            <a:endParaRPr lang="en-US" dirty="0"/>
           </a:p>
         </p:txBody>
       </p:sp>
@@ -8994,13 +8778,8 @@
             </a:pPr>
             <a:r>
               <a:rPr lang="en-US" dirty="0"/>
-              <a:t>"How are you today</a:t>
-            </a:r>
-            <a:r>
-              <a:rPr lang="en-US" dirty="0" smtClean="0"/>
-              <a:t>?”:</a:t>
-            </a:r>
-            <a:endParaRPr lang="en-US" dirty="0"/>
+              <a:t>"How are you today?”:</a:t>
+            </a:r>
           </a:p>
           <a:p>
             <a:pPr marL="97728" indent="0">
@@ -9008,11 +8787,7 @@
             </a:pPr>
             <a:r>
               <a:rPr lang="en-US" dirty="0"/>
-              <a:t>"Gossiping O.K. and Lords and cricket and England and Scotland battles. I don't know. Hypertension and two won cricket, bowling, batting, and catch, poor old things, cancellations maybe gossiping, cancellations, arm and argument, finishing bowling</a:t>
-            </a:r>
-            <a:r>
-              <a:rPr lang="en-US" dirty="0" smtClean="0"/>
-              <a:t>.”</a:t>
+              <a:t>"Gossiping O.K. and Lords and cricket and England and Scotland battles. I don't know. Hypertension and two won cricket, bowling, batting, and catch, poor old things, cancellations maybe gossiping, cancellations, arm and argument, finishing bowling.”</a:t>
             </a:r>
           </a:p>
           <a:p>

--- a/ccn/randy_slides/oreilly_ccn_language.pptx
+++ b/ccn/randy_slides/oreilly_ccn_language.pptx
@@ -242,7 +242,7 @@
             <a:fld id="{134E0E46-09FB-E94F-B740-AE4D5C6FE5DD}" type="datetimeFigureOut">
               <a:rPr lang="en-US" smtClean="0"/>
               <a:pPr/>
-              <a:t>4/15/20</a:t>
+              <a:t>5/25/20</a:t>
             </a:fld>
             <a:endParaRPr lang="en-US"/>
           </a:p>
@@ -410,7 +410,7 @@
             <a:fld id="{A39D9CCF-58B7-6C4F-9057-0B7282734A9C}" type="datetimeFigureOut">
               <a:rPr lang="en-US" smtClean="0"/>
               <a:pPr/>
-              <a:t>4/15/20</a:t>
+              <a:t>5/25/20</a:t>
             </a:fld>
             <a:endParaRPr lang="en-US"/>
           </a:p>
@@ -811,7 +811,7 @@
             <a:fld id="{0F43610C-CF0F-A341-95E3-9AC2B6738F38}" type="datetime1">
               <a:rPr lang="en-US" smtClean="0"/>
               <a:pPr/>
-              <a:t>4/15/20</a:t>
+              <a:t>5/25/20</a:t>
             </a:fld>
             <a:endParaRPr lang="en-US"/>
           </a:p>
@@ -988,7 +988,7 @@
             <a:fld id="{80722BD1-6F2E-954E-9666-DACFAE059D87}" type="datetime1">
               <a:rPr lang="en-US" smtClean="0"/>
               <a:pPr/>
-              <a:t>4/15/20</a:t>
+              <a:t>5/25/20</a:t>
             </a:fld>
             <a:endParaRPr lang="en-US"/>
           </a:p>
@@ -1175,7 +1175,7 @@
             <a:fld id="{81719E71-40F5-594A-A597-B9A1F7A8E2A0}" type="datetime1">
               <a:rPr lang="en-US" smtClean="0"/>
               <a:pPr/>
-              <a:t>4/15/20</a:t>
+              <a:t>5/25/20</a:t>
             </a:fld>
             <a:endParaRPr lang="en-US"/>
           </a:p>
@@ -1352,7 +1352,7 @@
             <a:fld id="{80E7870B-B594-BE4F-883F-5AA3BF0E980A}" type="datetime1">
               <a:rPr lang="en-US" smtClean="0"/>
               <a:pPr/>
-              <a:t>4/15/20</a:t>
+              <a:t>5/25/20</a:t>
             </a:fld>
             <a:endParaRPr lang="en-US"/>
           </a:p>
@@ -1552,7 +1552,7 @@
             <a:fld id="{4001173A-C22D-A545-AA98-51D0B584A64A}" type="datetime1">
               <a:rPr lang="en-US" smtClean="0"/>
               <a:pPr/>
-              <a:t>4/15/20</a:t>
+              <a:t>5/25/20</a:t>
             </a:fld>
             <a:endParaRPr lang="en-US"/>
           </a:p>
@@ -1846,7 +1846,7 @@
             <a:fld id="{8627B750-1BB8-F846-854F-817BE719E813}" type="datetime1">
               <a:rPr lang="en-US" smtClean="0"/>
               <a:pPr/>
-              <a:t>4/15/20</a:t>
+              <a:t>5/25/20</a:t>
             </a:fld>
             <a:endParaRPr lang="en-US"/>
           </a:p>
@@ -2279,7 +2279,7 @@
             <a:fld id="{A24BBA21-B6FA-C24E-9759-3735F7DAA052}" type="datetime1">
               <a:rPr lang="en-US" smtClean="0"/>
               <a:pPr/>
-              <a:t>4/15/20</a:t>
+              <a:t>5/25/20</a:t>
             </a:fld>
             <a:endParaRPr lang="en-US"/>
           </a:p>
@@ -2405,7 +2405,7 @@
             <a:fld id="{A208DD61-016E-E544-8D0E-6C417EB34521}" type="datetime1">
               <a:rPr lang="en-US" smtClean="0"/>
               <a:pPr/>
-              <a:t>4/15/20</a:t>
+              <a:t>5/25/20</a:t>
             </a:fld>
             <a:endParaRPr lang="en-US"/>
           </a:p>
@@ -2509,7 +2509,7 @@
             <a:fld id="{60D8413E-DCA1-2346-AF80-5D4D797103C0}" type="datetime1">
               <a:rPr lang="en-US" smtClean="0"/>
               <a:pPr/>
-              <a:t>4/15/20</a:t>
+              <a:t>5/25/20</a:t>
             </a:fld>
             <a:endParaRPr lang="en-US"/>
           </a:p>
@@ -2793,7 +2793,7 @@
             <a:fld id="{51AF361F-D5BC-E048-9595-281C5881E6B3}" type="datetime1">
               <a:rPr lang="en-US" smtClean="0"/>
               <a:pPr/>
-              <a:t>4/15/20</a:t>
+              <a:t>5/25/20</a:t>
             </a:fld>
             <a:endParaRPr lang="en-US"/>
           </a:p>
@@ -3057,7 +3057,7 @@
             <a:fld id="{C8332548-F664-E64B-966D-816A33A80B57}" type="datetime1">
               <a:rPr lang="en-US" smtClean="0"/>
               <a:pPr/>
-              <a:t>4/15/20</a:t>
+              <a:t>5/25/20</a:t>
             </a:fld>
             <a:endParaRPr lang="en-US"/>
           </a:p>
@@ -3322,7 +3322,7 @@
             <a:fld id="{97796E05-5980-E044-9A8E-0F7500585CCE}" type="datetime1">
               <a:rPr lang="en-US" smtClean="0"/>
               <a:pPr/>
-              <a:t>4/15/20</a:t>
+              <a:t>5/25/20</a:t>
             </a:fld>
             <a:endParaRPr lang="en-US"/>
           </a:p>
@@ -5515,21 +5515,14 @@
           <p:nvPr/>
         </p:nvPicPr>
         <p:blipFill>
-          <a:blip r:embed="rId2">
-            <a:extLst>
-              <a:ext uri="{28A0092B-C50C-407E-A947-70E740481C1C}">
-                <a14:useLocalDpi xmlns:a14="http://schemas.microsoft.com/office/drawing/2010/main" val="0"/>
-              </a:ext>
-            </a:extLst>
-          </a:blip>
-          <a:stretch>
-            <a:fillRect/>
-          </a:stretch>
+          <a:blip r:embed="rId2"/>
+          <a:srcRect/>
+          <a:stretch/>
         </p:blipFill>
         <p:spPr bwMode="auto">
           <a:xfrm>
-            <a:off x="4362673" y="1600201"/>
-            <a:ext cx="4043760" cy="3215521"/>
+            <a:off x="4362673" y="1610024"/>
+            <a:ext cx="4043760" cy="3195874"/>
           </a:xfrm>
           <a:prstGeom prst="rect">
             <a:avLst/>
@@ -7064,7 +7057,12 @@
             <p:ph type="title"/>
           </p:nvPr>
         </p:nvSpPr>
-        <p:spPr/>
+        <p:spPr>
+          <a:xfrm>
+            <a:off x="456627" y="273514"/>
+            <a:ext cx="8227871" cy="640886"/>
+          </a:xfrm>
+        </p:spPr>
         <p:txBody>
           <a:bodyPr/>
           <a:lstStyle/>
@@ -7087,21 +7085,14 @@
           </p:nvPr>
         </p:nvPicPr>
         <p:blipFill>
-          <a:blip r:embed="rId2">
-            <a:extLst>
-              <a:ext uri="{28A0092B-C50C-407E-A947-70E740481C1C}">
-                <a14:useLocalDpi xmlns:a14="http://schemas.microsoft.com/office/drawing/2010/main" val="0"/>
-              </a:ext>
-            </a:extLst>
-          </a:blip>
-          <a:stretch>
-            <a:fillRect/>
-          </a:stretch>
+          <a:blip r:embed="rId2"/>
+          <a:srcRect/>
+          <a:stretch/>
         </p:blipFill>
         <p:spPr>
           <a:xfrm>
-            <a:off x="2188213" y="1605097"/>
-            <a:ext cx="4764699" cy="4524495"/>
+            <a:off x="1524000" y="934850"/>
+            <a:ext cx="6279768" cy="5649636"/>
           </a:xfrm>
         </p:spPr>
       </p:pic>
@@ -7410,13 +7401,18 @@
             <p:ph type="title"/>
           </p:nvPr>
         </p:nvSpPr>
-        <p:spPr/>
+        <p:spPr>
+          <a:xfrm>
+            <a:off x="456627" y="273514"/>
+            <a:ext cx="8227871" cy="259886"/>
+          </a:xfrm>
+        </p:spPr>
         <p:txBody>
           <a:bodyPr/>
           <a:lstStyle/>
           <a:p>
             <a:r>
-              <a:rPr lang="en-US"/>
+              <a:rPr lang="en-US" dirty="0"/>
               <a:t>Gestalt Representations</a:t>
             </a:r>
           </a:p>
@@ -7433,21 +7429,14 @@
           </p:nvPr>
         </p:nvPicPr>
         <p:blipFill>
-          <a:blip r:embed="rId2">
-            <a:extLst>
-              <a:ext uri="{28A0092B-C50C-407E-A947-70E740481C1C}">
-                <a14:useLocalDpi xmlns:a14="http://schemas.microsoft.com/office/drawing/2010/main" val="0"/>
-              </a:ext>
-            </a:extLst>
-          </a:blip>
-          <a:stretch>
-            <a:fillRect/>
-          </a:stretch>
+          <a:blip r:embed="rId2"/>
+          <a:srcRect/>
+          <a:stretch/>
         </p:blipFill>
         <p:spPr>
           <a:xfrm>
-            <a:off x="2192004" y="1605097"/>
-            <a:ext cx="4757117" cy="4524495"/>
+            <a:off x="1372961" y="990600"/>
+            <a:ext cx="6217799" cy="5593886"/>
           </a:xfrm>
         </p:spPr>
       </p:pic>
